--- a/instructors/04_IP_Licence.pptx
+++ b/instructors/04_IP_Licence.pptx
@@ -14,7 +14,8 @@
     <p:sldId id="330" r:id="rId8"/>
     <p:sldId id="331" r:id="rId9"/>
     <p:sldId id="333" r:id="rId10"/>
-    <p:sldId id="273" r:id="rId11"/>
+    <p:sldId id="334" r:id="rId11"/>
+    <p:sldId id="273" r:id="rId12"/>
   </p:sldIdLst>
   <p:sldSz cx="12192000" cy="6858000"/>
   <p:notesSz cx="6858000" cy="9144000"/>
@@ -1738,6 +1739,13 @@
         </dgm:presLayoutVars>
       </dgm:prSet>
       <dgm:spPr/>
+      <dgm:t>
+        <a:bodyPr/>
+        <a:lstStyle/>
+        <a:p>
+          <a:endParaRPr lang="en-US"/>
+        </a:p>
+      </dgm:t>
     </dgm:pt>
     <dgm:pt modelId="{611D1C86-EC73-4FFB-89E7-C24D0C29DC88}" type="pres">
       <dgm:prSet presAssocID="{3C652BC8-6FBA-4500-A4AF-F42DE630B808}" presName="compNode" presStyleCnt="0"/>
@@ -1757,7 +1765,7 @@
                 <a14:useLocalDpi xmlns:a14="http://schemas.microsoft.com/office/drawing/2010/main" val="0"/>
               </a:ext>
               <a:ext uri="{96DAC541-7B7A-43D3-8B79-37D633B846F1}">
-                <asvg:svgBlip xmlns:asvg="http://schemas.microsoft.com/office/drawing/2016/SVG/main" r:embed="rId2"/>
+                <asvg:svgBlip xmlns:asvg="http://schemas.microsoft.com/office/drawing/2016/SVG/main" xmlns="" r:embed="rId2"/>
               </a:ext>
             </a:extLst>
           </a:blip>
@@ -1769,6 +1777,13 @@
           <a:noFill/>
         </a:ln>
       </dgm:spPr>
+      <dgm:t>
+        <a:bodyPr/>
+        <a:lstStyle/>
+        <a:p>
+          <a:endParaRPr lang="en-US"/>
+        </a:p>
+      </dgm:t>
       <dgm:extLst>
         <a:ext uri="{E40237B7-FDA0-4F09-8148-C483321AD2D9}">
           <dgm14:cNvPr xmlns:dgm14="http://schemas.microsoft.com/office/drawing/2010/diagram" id="0" name="" descr="Gavel"/>
@@ -1787,6 +1802,13 @@
         </dgm:presLayoutVars>
       </dgm:prSet>
       <dgm:spPr/>
+      <dgm:t>
+        <a:bodyPr/>
+        <a:lstStyle/>
+        <a:p>
+          <a:endParaRPr lang="en-US"/>
+        </a:p>
+      </dgm:t>
     </dgm:pt>
     <dgm:pt modelId="{92DA0427-B009-4697-9CC1-FEC55C43F815}" type="pres">
       <dgm:prSet presAssocID="{634C4349-D224-46F7-A232-7A250AF3D6C0}" presName="sibTrans" presStyleCnt="0"/>
@@ -1804,13 +1826,13 @@
       <dgm:prSet presAssocID="{D202FFB6-844A-4129-91F2-6232B0881180}" presName="iconRect" presStyleLbl="node1" presStyleIdx="1" presStyleCnt="2"/>
       <dgm:spPr>
         <a:blipFill>
-          <a:blip xmlns:r="http://schemas.openxmlformats.org/officeDocument/2006/relationships" r:embed="rId3">
+          <a:blip xmlns:r="http://schemas.openxmlformats.org/officeDocument/2006/relationships" r:embed="rId3" cstate="hqprint">
             <a:extLst>
               <a:ext uri="{28A0092B-C50C-407E-A947-70E740481C1C}">
                 <a14:useLocalDpi xmlns:a14="http://schemas.microsoft.com/office/drawing/2010/main" val="0"/>
               </a:ext>
               <a:ext uri="{96DAC541-7B7A-43D3-8B79-37D633B846F1}">
-                <asvg:svgBlip xmlns:asvg="http://schemas.microsoft.com/office/drawing/2016/SVG/main" r:embed="rId4"/>
+                <asvg:svgBlip xmlns:asvg="http://schemas.microsoft.com/office/drawing/2016/SVG/main" xmlns="" r:embed="rId4"/>
               </a:ext>
             </a:extLst>
           </a:blip>
@@ -1822,6 +1844,13 @@
           <a:noFill/>
         </a:ln>
       </dgm:spPr>
+      <dgm:t>
+        <a:bodyPr/>
+        <a:lstStyle/>
+        <a:p>
+          <a:endParaRPr lang="en-US"/>
+        </a:p>
+      </dgm:t>
       <dgm:extLst>
         <a:ext uri="{E40237B7-FDA0-4F09-8148-C483321AD2D9}">
           <dgm14:cNvPr xmlns:dgm14="http://schemas.microsoft.com/office/drawing/2010/diagram" id="0" name="" descr="Quotes"/>
@@ -1840,14 +1869,21 @@
         </dgm:presLayoutVars>
       </dgm:prSet>
       <dgm:spPr/>
+      <dgm:t>
+        <a:bodyPr/>
+        <a:lstStyle/>
+        <a:p>
+          <a:endParaRPr lang="en-US"/>
+        </a:p>
+      </dgm:t>
     </dgm:pt>
   </dgm:ptLst>
   <dgm:cxnLst>
+    <dgm:cxn modelId="{509C705D-FA81-4C78-BE64-94D612EFC1AC}" srcId="{965F8E97-9910-44BE-B9ED-D14CADE7472B}" destId="{3C652BC8-6FBA-4500-A4AF-F42DE630B808}" srcOrd="0" destOrd="0" parTransId="{64D5DD38-E5A5-4D00-954D-C65D1990483B}" sibTransId="{634C4349-D224-46F7-A232-7A250AF3D6C0}"/>
     <dgm:cxn modelId="{73ACCA11-0A94-43A1-A2F2-0694B77C2F28}" type="presOf" srcId="{3C652BC8-6FBA-4500-A4AF-F42DE630B808}" destId="{06A10F34-3A50-4C44-81BB-E1479CE78A5F}" srcOrd="0" destOrd="0" presId="urn:microsoft.com/office/officeart/2018/2/layout/IconVerticalSolidList"/>
-    <dgm:cxn modelId="{509C705D-FA81-4C78-BE64-94D612EFC1AC}" srcId="{965F8E97-9910-44BE-B9ED-D14CADE7472B}" destId="{3C652BC8-6FBA-4500-A4AF-F42DE630B808}" srcOrd="0" destOrd="0" parTransId="{64D5DD38-E5A5-4D00-954D-C65D1990483B}" sibTransId="{634C4349-D224-46F7-A232-7A250AF3D6C0}"/>
+    <dgm:cxn modelId="{200C2157-BC67-4EC5-82A9-7F3EF834CA16}" srcId="{965F8E97-9910-44BE-B9ED-D14CADE7472B}" destId="{D202FFB6-844A-4129-91F2-6232B0881180}" srcOrd="1" destOrd="0" parTransId="{DB334B12-7383-4D7D-811E-977C15E4BA04}" sibTransId="{6BE0CA52-68B3-4216-8AAA-FD7D5DFE7624}"/>
+    <dgm:cxn modelId="{21A80A4A-ED7E-4AC3-B2B2-9A1010783EE2}" type="presOf" srcId="{D202FFB6-844A-4129-91F2-6232B0881180}" destId="{3472C4B9-D03A-4B5F-9C43-16674A6E2277}" srcOrd="0" destOrd="0" presId="urn:microsoft.com/office/officeart/2018/2/layout/IconVerticalSolidList"/>
     <dgm:cxn modelId="{8C9B5A48-BA83-4A02-B132-941D51129661}" type="presOf" srcId="{965F8E97-9910-44BE-B9ED-D14CADE7472B}" destId="{2B5EFE56-CB25-4B07-A7C0-56BA7280E9AD}" srcOrd="0" destOrd="0" presId="urn:microsoft.com/office/officeart/2018/2/layout/IconVerticalSolidList"/>
-    <dgm:cxn modelId="{21A80A4A-ED7E-4AC3-B2B2-9A1010783EE2}" type="presOf" srcId="{D202FFB6-844A-4129-91F2-6232B0881180}" destId="{3472C4B9-D03A-4B5F-9C43-16674A6E2277}" srcOrd="0" destOrd="0" presId="urn:microsoft.com/office/officeart/2018/2/layout/IconVerticalSolidList"/>
-    <dgm:cxn modelId="{200C2157-BC67-4EC5-82A9-7F3EF834CA16}" srcId="{965F8E97-9910-44BE-B9ED-D14CADE7472B}" destId="{D202FFB6-844A-4129-91F2-6232B0881180}" srcOrd="1" destOrd="0" parTransId="{DB334B12-7383-4D7D-811E-977C15E4BA04}" sibTransId="{6BE0CA52-68B3-4216-8AAA-FD7D5DFE7624}"/>
     <dgm:cxn modelId="{B33D9E11-502A-49B1-A435-853C23494AC1}" type="presParOf" srcId="{2B5EFE56-CB25-4B07-A7C0-56BA7280E9AD}" destId="{611D1C86-EC73-4FFB-89E7-C24D0C29DC88}" srcOrd="0" destOrd="0" presId="urn:microsoft.com/office/officeart/2018/2/layout/IconVerticalSolidList"/>
     <dgm:cxn modelId="{CB768D8C-7F23-48E3-AD1D-BA9693B6A4C9}" type="presParOf" srcId="{611D1C86-EC73-4FFB-89E7-C24D0C29DC88}" destId="{68174510-89D9-488A-9C35-2678944A66A2}" srcOrd="0" destOrd="0" presId="urn:microsoft.com/office/officeart/2018/2/layout/IconVerticalSolidList"/>
     <dgm:cxn modelId="{6917F324-4A49-4BD3-AB0E-78B787463E98}" type="presParOf" srcId="{611D1C86-EC73-4FFB-89E7-C24D0C29DC88}" destId="{F4AB1232-BAA5-4049-BAD0-99F72C35428E}" srcOrd="1" destOrd="0" presId="urn:microsoft.com/office/officeart/2018/2/layout/IconVerticalSolidList"/>
@@ -1982,6 +2018,13 @@
         </dgm:presLayoutVars>
       </dgm:prSet>
       <dgm:spPr/>
+      <dgm:t>
+        <a:bodyPr/>
+        <a:lstStyle/>
+        <a:p>
+          <a:endParaRPr lang="en-US"/>
+        </a:p>
+      </dgm:t>
     </dgm:pt>
     <dgm:pt modelId="{611D1C86-EC73-4FFB-89E7-C24D0C29DC88}" type="pres">
       <dgm:prSet presAssocID="{3C652BC8-6FBA-4500-A4AF-F42DE630B808}" presName="compNode" presStyleCnt="0"/>
@@ -1995,13 +2038,13 @@
       <dgm:prSet presAssocID="{3C652BC8-6FBA-4500-A4AF-F42DE630B808}" presName="iconRect" presStyleLbl="node1" presStyleIdx="0" presStyleCnt="2"/>
       <dgm:spPr>
         <a:blipFill>
-          <a:blip xmlns:r="http://schemas.openxmlformats.org/officeDocument/2006/relationships" r:embed="rId1">
+          <a:blip xmlns:r="http://schemas.openxmlformats.org/officeDocument/2006/relationships" r:embed="rId1" cstate="hqprint">
             <a:extLst>
               <a:ext uri="{28A0092B-C50C-407E-A947-70E740481C1C}">
                 <a14:useLocalDpi xmlns:a14="http://schemas.microsoft.com/office/drawing/2010/main" val="0"/>
               </a:ext>
               <a:ext uri="{96DAC541-7B7A-43D3-8B79-37D633B846F1}">
-                <asvg:svgBlip xmlns:asvg="http://schemas.microsoft.com/office/drawing/2016/SVG/main" r:embed="rId2"/>
+                <asvg:svgBlip xmlns:asvg="http://schemas.microsoft.com/office/drawing/2016/SVG/main" xmlns="" r:embed="rId2"/>
               </a:ext>
             </a:extLst>
           </a:blip>
@@ -2013,6 +2056,13 @@
           <a:noFill/>
         </a:ln>
       </dgm:spPr>
+      <dgm:t>
+        <a:bodyPr/>
+        <a:lstStyle/>
+        <a:p>
+          <a:endParaRPr lang="en-US"/>
+        </a:p>
+      </dgm:t>
       <dgm:extLst>
         <a:ext uri="{E40237B7-FDA0-4F09-8148-C483321AD2D9}">
           <dgm14:cNvPr xmlns:dgm14="http://schemas.microsoft.com/office/drawing/2010/diagram" id="0" name="" descr="Gavel"/>
@@ -2031,6 +2081,13 @@
         </dgm:presLayoutVars>
       </dgm:prSet>
       <dgm:spPr/>
+      <dgm:t>
+        <a:bodyPr/>
+        <a:lstStyle/>
+        <a:p>
+          <a:endParaRPr lang="en-US"/>
+        </a:p>
+      </dgm:t>
     </dgm:pt>
     <dgm:pt modelId="{92DA0427-B009-4697-9CC1-FEC55C43F815}" type="pres">
       <dgm:prSet presAssocID="{634C4349-D224-46F7-A232-7A250AF3D6C0}" presName="sibTrans" presStyleCnt="0"/>
@@ -2048,13 +2105,13 @@
       <dgm:prSet presAssocID="{D202FFB6-844A-4129-91F2-6232B0881180}" presName="iconRect" presStyleLbl="node1" presStyleIdx="1" presStyleCnt="2"/>
       <dgm:spPr>
         <a:blipFill>
-          <a:blip xmlns:r="http://schemas.openxmlformats.org/officeDocument/2006/relationships" r:embed="rId3">
+          <a:blip xmlns:r="http://schemas.openxmlformats.org/officeDocument/2006/relationships" r:embed="rId3" cstate="hqprint">
             <a:extLst>
               <a:ext uri="{28A0092B-C50C-407E-A947-70E740481C1C}">
                 <a14:useLocalDpi xmlns:a14="http://schemas.microsoft.com/office/drawing/2010/main" val="0"/>
               </a:ext>
               <a:ext uri="{96DAC541-7B7A-43D3-8B79-37D633B846F1}">
-                <asvg:svgBlip xmlns:asvg="http://schemas.microsoft.com/office/drawing/2016/SVG/main" r:embed="rId4"/>
+                <asvg:svgBlip xmlns:asvg="http://schemas.microsoft.com/office/drawing/2016/SVG/main" xmlns="" r:embed="rId4"/>
               </a:ext>
             </a:extLst>
           </a:blip>
@@ -2066,6 +2123,13 @@
           <a:noFill/>
         </a:ln>
       </dgm:spPr>
+      <dgm:t>
+        <a:bodyPr/>
+        <a:lstStyle/>
+        <a:p>
+          <a:endParaRPr lang="en-US"/>
+        </a:p>
+      </dgm:t>
       <dgm:extLst>
         <a:ext uri="{E40237B7-FDA0-4F09-8148-C483321AD2D9}">
           <dgm14:cNvPr xmlns:dgm14="http://schemas.microsoft.com/office/drawing/2010/diagram" id="0" name="" descr="Quotes"/>
@@ -2084,14 +2148,21 @@
         </dgm:presLayoutVars>
       </dgm:prSet>
       <dgm:spPr/>
+      <dgm:t>
+        <a:bodyPr/>
+        <a:lstStyle/>
+        <a:p>
+          <a:endParaRPr lang="en-US"/>
+        </a:p>
+      </dgm:t>
     </dgm:pt>
   </dgm:ptLst>
   <dgm:cxnLst>
+    <dgm:cxn modelId="{509C705D-FA81-4C78-BE64-94D612EFC1AC}" srcId="{965F8E97-9910-44BE-B9ED-D14CADE7472B}" destId="{3C652BC8-6FBA-4500-A4AF-F42DE630B808}" srcOrd="0" destOrd="0" parTransId="{64D5DD38-E5A5-4D00-954D-C65D1990483B}" sibTransId="{634C4349-D224-46F7-A232-7A250AF3D6C0}"/>
     <dgm:cxn modelId="{73ACCA11-0A94-43A1-A2F2-0694B77C2F28}" type="presOf" srcId="{3C652BC8-6FBA-4500-A4AF-F42DE630B808}" destId="{06A10F34-3A50-4C44-81BB-E1479CE78A5F}" srcOrd="0" destOrd="0" presId="urn:microsoft.com/office/officeart/2018/2/layout/IconVerticalSolidList"/>
-    <dgm:cxn modelId="{509C705D-FA81-4C78-BE64-94D612EFC1AC}" srcId="{965F8E97-9910-44BE-B9ED-D14CADE7472B}" destId="{3C652BC8-6FBA-4500-A4AF-F42DE630B808}" srcOrd="0" destOrd="0" parTransId="{64D5DD38-E5A5-4D00-954D-C65D1990483B}" sibTransId="{634C4349-D224-46F7-A232-7A250AF3D6C0}"/>
+    <dgm:cxn modelId="{200C2157-BC67-4EC5-82A9-7F3EF834CA16}" srcId="{965F8E97-9910-44BE-B9ED-D14CADE7472B}" destId="{D202FFB6-844A-4129-91F2-6232B0881180}" srcOrd="1" destOrd="0" parTransId="{DB334B12-7383-4D7D-811E-977C15E4BA04}" sibTransId="{6BE0CA52-68B3-4216-8AAA-FD7D5DFE7624}"/>
+    <dgm:cxn modelId="{21A80A4A-ED7E-4AC3-B2B2-9A1010783EE2}" type="presOf" srcId="{D202FFB6-844A-4129-91F2-6232B0881180}" destId="{3472C4B9-D03A-4B5F-9C43-16674A6E2277}" srcOrd="0" destOrd="0" presId="urn:microsoft.com/office/officeart/2018/2/layout/IconVerticalSolidList"/>
     <dgm:cxn modelId="{8C9B5A48-BA83-4A02-B132-941D51129661}" type="presOf" srcId="{965F8E97-9910-44BE-B9ED-D14CADE7472B}" destId="{2B5EFE56-CB25-4B07-A7C0-56BA7280E9AD}" srcOrd="0" destOrd="0" presId="urn:microsoft.com/office/officeart/2018/2/layout/IconVerticalSolidList"/>
-    <dgm:cxn modelId="{21A80A4A-ED7E-4AC3-B2B2-9A1010783EE2}" type="presOf" srcId="{D202FFB6-844A-4129-91F2-6232B0881180}" destId="{3472C4B9-D03A-4B5F-9C43-16674A6E2277}" srcOrd="0" destOrd="0" presId="urn:microsoft.com/office/officeart/2018/2/layout/IconVerticalSolidList"/>
-    <dgm:cxn modelId="{200C2157-BC67-4EC5-82A9-7F3EF834CA16}" srcId="{965F8E97-9910-44BE-B9ED-D14CADE7472B}" destId="{D202FFB6-844A-4129-91F2-6232B0881180}" srcOrd="1" destOrd="0" parTransId="{DB334B12-7383-4D7D-811E-977C15E4BA04}" sibTransId="{6BE0CA52-68B3-4216-8AAA-FD7D5DFE7624}"/>
     <dgm:cxn modelId="{B33D9E11-502A-49B1-A435-853C23494AC1}" type="presParOf" srcId="{2B5EFE56-CB25-4B07-A7C0-56BA7280E9AD}" destId="{611D1C86-EC73-4FFB-89E7-C24D0C29DC88}" srcOrd="0" destOrd="0" presId="urn:microsoft.com/office/officeart/2018/2/layout/IconVerticalSolidList"/>
     <dgm:cxn modelId="{CB768D8C-7F23-48E3-AD1D-BA9693B6A4C9}" type="presParOf" srcId="{611D1C86-EC73-4FFB-89E7-C24D0C29DC88}" destId="{68174510-89D9-488A-9C35-2678944A66A2}" srcOrd="0" destOrd="0" presId="urn:microsoft.com/office/officeart/2018/2/layout/IconVerticalSolidList"/>
     <dgm:cxn modelId="{6917F324-4A49-4BD3-AB0E-78B787463E98}" type="presParOf" srcId="{611D1C86-EC73-4FFB-89E7-C24D0C29DC88}" destId="{F4AB1232-BAA5-4049-BAD0-99F72C35428E}" srcOrd="1" destOrd="0" presId="urn:microsoft.com/office/officeart/2018/2/layout/IconVerticalSolidList"/>
@@ -2184,7 +2255,7 @@
                 <a14:useLocalDpi xmlns:a14="http://schemas.microsoft.com/office/drawing/2010/main" val="0"/>
               </a:ext>
               <a:ext uri="{96DAC541-7B7A-43D3-8B79-37D633B846F1}">
-                <asvg:svgBlip xmlns:asvg="http://schemas.microsoft.com/office/drawing/2016/SVG/main" r:embed="rId2"/>
+                <asvg:svgBlip xmlns:asvg="http://schemas.microsoft.com/office/drawing/2016/SVG/main" xmlns="" r:embed="rId2"/>
               </a:ext>
             </a:extLst>
           </a:blip>
@@ -2251,7 +2322,7 @@
         </a:bodyPr>
         <a:lstStyle/>
         <a:p>
-          <a:pPr marL="0" lvl="0" indent="0" algn="l" defTabSz="1066800">
+          <a:pPr lvl="0" algn="l" defTabSz="1066800">
             <a:lnSpc>
               <a:spcPct val="90000"/>
             </a:lnSpc>
@@ -2261,7 +2332,6 @@
             <a:spcAft>
               <a:spcPct val="35000"/>
             </a:spcAft>
-            <a:buNone/>
           </a:pPr>
           <a:r>
             <a:rPr lang="en-GB" sz="2400" kern="1200" dirty="0"/>
@@ -2346,13 +2416,13 @@
           <a:avLst/>
         </a:prstGeom>
         <a:blipFill>
-          <a:blip xmlns:r="http://schemas.openxmlformats.org/officeDocument/2006/relationships" r:embed="rId3">
+          <a:blip xmlns:r="http://schemas.openxmlformats.org/officeDocument/2006/relationships" r:embed="rId3" cstate="hqprint">
             <a:extLst>
               <a:ext uri="{28A0092B-C50C-407E-A947-70E740481C1C}">
                 <a14:useLocalDpi xmlns:a14="http://schemas.microsoft.com/office/drawing/2010/main" val="0"/>
               </a:ext>
               <a:ext uri="{96DAC541-7B7A-43D3-8B79-37D633B846F1}">
-                <asvg:svgBlip xmlns:asvg="http://schemas.microsoft.com/office/drawing/2016/SVG/main" r:embed="rId4"/>
+                <asvg:svgBlip xmlns:asvg="http://schemas.microsoft.com/office/drawing/2016/SVG/main" xmlns="" r:embed="rId4"/>
               </a:ext>
             </a:extLst>
           </a:blip>
@@ -2419,7 +2489,7 @@
         </a:bodyPr>
         <a:lstStyle/>
         <a:p>
-          <a:pPr marL="0" lvl="0" indent="0" algn="l" defTabSz="1066800">
+          <a:pPr lvl="0" algn="l" defTabSz="1066800">
             <a:lnSpc>
               <a:spcPct val="90000"/>
             </a:lnSpc>
@@ -2429,7 +2499,6 @@
             <a:spcAft>
               <a:spcPct val="35000"/>
             </a:spcAft>
-            <a:buNone/>
           </a:pPr>
           <a:r>
             <a:rPr lang="en-GB" sz="2400" kern="1200" dirty="0"/>
@@ -2511,13 +2580,13 @@
           <a:avLst/>
         </a:prstGeom>
         <a:blipFill>
-          <a:blip xmlns:r="http://schemas.openxmlformats.org/officeDocument/2006/relationships" r:embed="rId1">
+          <a:blip xmlns:r="http://schemas.openxmlformats.org/officeDocument/2006/relationships" r:embed="rId1" cstate="hqprint">
             <a:extLst>
               <a:ext uri="{28A0092B-C50C-407E-A947-70E740481C1C}">
                 <a14:useLocalDpi xmlns:a14="http://schemas.microsoft.com/office/drawing/2010/main" val="0"/>
               </a:ext>
               <a:ext uri="{96DAC541-7B7A-43D3-8B79-37D633B846F1}">
-                <asvg:svgBlip xmlns:asvg="http://schemas.microsoft.com/office/drawing/2016/SVG/main" r:embed="rId2"/>
+                <asvg:svgBlip xmlns:asvg="http://schemas.microsoft.com/office/drawing/2016/SVG/main" xmlns="" r:embed="rId2"/>
               </a:ext>
             </a:extLst>
           </a:blip>
@@ -2584,7 +2653,7 @@
         </a:bodyPr>
         <a:lstStyle/>
         <a:p>
-          <a:pPr marL="0" lvl="0" indent="0" algn="l" defTabSz="1066800">
+          <a:pPr lvl="0" algn="l" defTabSz="1066800">
             <a:lnSpc>
               <a:spcPct val="90000"/>
             </a:lnSpc>
@@ -2594,7 +2663,6 @@
             <a:spcAft>
               <a:spcPct val="35000"/>
             </a:spcAft>
-            <a:buNone/>
           </a:pPr>
           <a:r>
             <a:rPr lang="en-GB" sz="2400" kern="1200" dirty="0"/>
@@ -2672,13 +2740,13 @@
           <a:avLst/>
         </a:prstGeom>
         <a:blipFill>
-          <a:blip xmlns:r="http://schemas.openxmlformats.org/officeDocument/2006/relationships" r:embed="rId3">
+          <a:blip xmlns:r="http://schemas.openxmlformats.org/officeDocument/2006/relationships" r:embed="rId3" cstate="hqprint">
             <a:extLst>
               <a:ext uri="{28A0092B-C50C-407E-A947-70E740481C1C}">
                 <a14:useLocalDpi xmlns:a14="http://schemas.microsoft.com/office/drawing/2010/main" val="0"/>
               </a:ext>
               <a:ext uri="{96DAC541-7B7A-43D3-8B79-37D633B846F1}">
-                <asvg:svgBlip xmlns:asvg="http://schemas.microsoft.com/office/drawing/2016/SVG/main" r:embed="rId4"/>
+                <asvg:svgBlip xmlns:asvg="http://schemas.microsoft.com/office/drawing/2016/SVG/main" xmlns="" r:embed="rId4"/>
               </a:ext>
             </a:extLst>
           </a:blip>
@@ -2745,7 +2813,7 @@
         </a:bodyPr>
         <a:lstStyle/>
         <a:p>
-          <a:pPr marL="0" lvl="0" indent="0" algn="l" defTabSz="1066800">
+          <a:pPr lvl="0" algn="l" defTabSz="1066800">
             <a:lnSpc>
               <a:spcPct val="90000"/>
             </a:lnSpc>
@@ -2755,7 +2823,6 @@
             <a:spcAft>
               <a:spcPct val="35000"/>
             </a:spcAft>
-            <a:buNone/>
           </a:pPr>
           <a:r>
             <a:rPr lang="en-GB" sz="2400" kern="1200" dirty="0"/>
@@ -3058,7 +3125,7 @@
   </dgm:layoutNode>
   <dgm:extLst>
     <a:ext uri="{68A01E43-0DF5-4B5B-8FA6-DAF915123BFB}">
-      <dgm1612:lstStyle xmlns:dgm1612="http://schemas.microsoft.com/office/drawing/2016/12/diagram">
+      <dgm1612:lstStyle xmlns:dgm1612="http://schemas.microsoft.com/office/drawing/2016/12/diagram" xmlns="">
         <a:lvl1pPr>
           <a:lnSpc>
             <a:spcPct val="100000"/>
@@ -3352,7 +3419,7 @@
   </dgm:layoutNode>
   <dgm:extLst>
     <a:ext uri="{68A01E43-0DF5-4B5B-8FA6-DAF915123BFB}">
-      <dgm1612:lstStyle xmlns:dgm1612="http://schemas.microsoft.com/office/drawing/2016/12/diagram">
+      <dgm1612:lstStyle xmlns:dgm1612="http://schemas.microsoft.com/office/drawing/2016/12/diagram" xmlns="">
         <a:lvl1pPr>
           <a:lnSpc>
             <a:spcPct val="100000"/>
@@ -5603,7 +5670,7 @@
             <a:fld id="{41BDB93A-9A91-4ACD-99A9-997668C686B7}" type="datetimeFigureOut">
               <a:rPr lang="en-GB" smtClean="0"/>
               <a:pPr/>
-              <a:t>18/10/2021</a:t>
+              <a:t>15/01/2023</a:t>
             </a:fld>
             <a:endParaRPr lang="en-GB"/>
           </a:p>
@@ -5867,7 +5934,7 @@
           <a:p>
             <a:fld id="{41BDB93A-9A91-4ACD-99A9-997668C686B7}" type="datetimeFigureOut">
               <a:rPr lang="en-GB" smtClean="0"/>
-              <a:t>18/10/2021</a:t>
+              <a:t>15/01/2023</a:t>
             </a:fld>
             <a:endParaRPr lang="en-GB"/>
           </a:p>
@@ -6077,7 +6144,7 @@
           <a:p>
             <a:fld id="{41BDB93A-9A91-4ACD-99A9-997668C686B7}" type="datetimeFigureOut">
               <a:rPr lang="en-GB" smtClean="0"/>
-              <a:t>18/10/2021</a:t>
+              <a:t>15/01/2023</a:t>
             </a:fld>
             <a:endParaRPr lang="en-GB"/>
           </a:p>
@@ -6277,7 +6344,7 @@
           <a:p>
             <a:fld id="{41BDB93A-9A91-4ACD-99A9-997668C686B7}" type="datetimeFigureOut">
               <a:rPr lang="en-GB" smtClean="0"/>
-              <a:t>18/10/2021</a:t>
+              <a:t>15/01/2023</a:t>
             </a:fld>
             <a:endParaRPr lang="en-GB"/>
           </a:p>
@@ -6553,7 +6620,7 @@
           <a:p>
             <a:fld id="{41BDB93A-9A91-4ACD-99A9-997668C686B7}" type="datetimeFigureOut">
               <a:rPr lang="en-GB" smtClean="0"/>
-              <a:t>18/10/2021</a:t>
+              <a:t>15/01/2023</a:t>
             </a:fld>
             <a:endParaRPr lang="en-GB"/>
           </a:p>
@@ -6821,7 +6888,7 @@
           <a:p>
             <a:fld id="{41BDB93A-9A91-4ACD-99A9-997668C686B7}" type="datetimeFigureOut">
               <a:rPr lang="en-GB" smtClean="0"/>
-              <a:t>18/10/2021</a:t>
+              <a:t>15/01/2023</a:t>
             </a:fld>
             <a:endParaRPr lang="en-GB"/>
           </a:p>
@@ -7236,7 +7303,7 @@
           <a:p>
             <a:fld id="{41BDB93A-9A91-4ACD-99A9-997668C686B7}" type="datetimeFigureOut">
               <a:rPr lang="en-GB" smtClean="0"/>
-              <a:t>18/10/2021</a:t>
+              <a:t>15/01/2023</a:t>
             </a:fld>
             <a:endParaRPr lang="en-GB"/>
           </a:p>
@@ -7378,7 +7445,7 @@
           <a:p>
             <a:fld id="{41BDB93A-9A91-4ACD-99A9-997668C686B7}" type="datetimeFigureOut">
               <a:rPr lang="en-GB" smtClean="0"/>
-              <a:t>18/10/2021</a:t>
+              <a:t>15/01/2023</a:t>
             </a:fld>
             <a:endParaRPr lang="en-GB"/>
           </a:p>
@@ -7491,7 +7558,7 @@
           <a:p>
             <a:fld id="{41BDB93A-9A91-4ACD-99A9-997668C686B7}" type="datetimeFigureOut">
               <a:rPr lang="en-GB" smtClean="0"/>
-              <a:t>18/10/2021</a:t>
+              <a:t>15/01/2023</a:t>
             </a:fld>
             <a:endParaRPr lang="en-GB"/>
           </a:p>
@@ -7804,7 +7871,7 @@
           <a:p>
             <a:fld id="{41BDB93A-9A91-4ACD-99A9-997668C686B7}" type="datetimeFigureOut">
               <a:rPr lang="en-GB" smtClean="0"/>
-              <a:t>18/10/2021</a:t>
+              <a:t>15/01/2023</a:t>
             </a:fld>
             <a:endParaRPr lang="en-GB"/>
           </a:p>
@@ -8093,7 +8160,7 @@
           <a:p>
             <a:fld id="{41BDB93A-9A91-4ACD-99A9-997668C686B7}" type="datetimeFigureOut">
               <a:rPr lang="en-GB" smtClean="0"/>
-              <a:t>18/10/2021</a:t>
+              <a:t>15/01/2023</a:t>
             </a:fld>
             <a:endParaRPr lang="en-GB"/>
           </a:p>
@@ -8335,7 +8402,7 @@
             <a:fld id="{41BDB93A-9A91-4ACD-99A9-997668C686B7}" type="datetimeFigureOut">
               <a:rPr lang="en-GB" smtClean="0"/>
               <a:pPr/>
-              <a:t>18/10/2021</a:t>
+              <a:t>15/01/2023</a:t>
             </a:fld>
             <a:endParaRPr lang="en-GB"/>
           </a:p>
@@ -8826,163 +8893,6 @@
           </a:p>
         </p:txBody>
       </p:sp>
-      <p:sp>
-        <p:nvSpPr>
-          <p:cNvPr id="4" name="TextBox 3">
-            <a:extLst>
-              <a:ext uri="{FF2B5EF4-FFF2-40B4-BE49-F238E27FC236}">
-                <a16:creationId xmlns:a16="http://schemas.microsoft.com/office/drawing/2014/main" id="{917BC01F-0DA4-F440-A471-88919A74F67F}"/>
-              </a:ext>
-            </a:extLst>
-          </p:cNvPr>
-          <p:cNvSpPr txBox="1"/>
-          <p:nvPr/>
-        </p:nvSpPr>
-        <p:spPr>
-          <a:xfrm>
-            <a:off x="1470868" y="5070039"/>
-            <a:ext cx="6987331" cy="369332"/>
-          </a:xfrm>
-          <a:prstGeom prst="rect">
-            <a:avLst/>
-          </a:prstGeom>
-          <a:noFill/>
-        </p:spPr>
-        <p:txBody>
-          <a:bodyPr wrap="square">
-            <a:spAutoFit/>
-          </a:bodyPr>
-          <a:lstStyle/>
-          <a:p>
-            <a:pPr marL="0" marR="0" lvl="0" indent="0" algn="l" defTabSz="914400" rtl="0" eaLnBrk="1" fontAlgn="auto" latinLnBrk="0" hangingPunct="1">
-              <a:lnSpc>
-                <a:spcPct val="100000"/>
-              </a:lnSpc>
-              <a:spcBef>
-                <a:spcPts val="0"/>
-              </a:spcBef>
-              <a:spcAft>
-                <a:spcPts val="0"/>
-              </a:spcAft>
-              <a:buClrTx/>
-              <a:buSzTx/>
-              <a:buFontTx/>
-              <a:buNone/>
-              <a:tabLst/>
-              <a:defRPr/>
-            </a:pPr>
-            <a:r>
-              <a:rPr kumimoji="0" lang="en-GB" sz="1800" b="0" i="0" u="none" strike="noStrike" kern="1200" cap="none" spc="0" normalizeH="0" baseline="0" noProof="0" dirty="0">
-                <a:ln>
-                  <a:noFill/>
-                </a:ln>
-                <a:solidFill>
-                  <a:prstClr val="black"/>
-                </a:solidFill>
-                <a:effectLst/>
-                <a:uLnTx/>
-                <a:uFillTx/>
-                <a:latin typeface="Calibri" panose="020F0502020204030204"/>
-                <a:ea typeface="+mn-ea"/>
-                <a:cs typeface="+mn-cs"/>
-              </a:rPr>
-              <a:t>Open https://pad.carpentries.org/2021-10-19_ed-dash_fair-bio-practice</a:t>
-            </a:r>
-            <a:endParaRPr kumimoji="0" lang="en-GB" sz="1800" b="0" i="0" u="none" strike="noStrike" kern="1200" cap="none" spc="0" normalizeH="0" baseline="0" noProof="0" dirty="0">
-              <a:ln>
-                <a:noFill/>
-              </a:ln>
-              <a:solidFill>
-                <a:prstClr val="black"/>
-              </a:solidFill>
-              <a:effectLst/>
-              <a:highlight>
-                <a:srgbClr val="FFFF00"/>
-              </a:highlight>
-              <a:uLnTx/>
-              <a:uFillTx/>
-              <a:latin typeface="Calibri" panose="020F0502020204030204"/>
-              <a:ea typeface="+mn-ea"/>
-              <a:cs typeface="+mn-cs"/>
-            </a:endParaRPr>
-          </a:p>
-        </p:txBody>
-      </p:sp>
-      <p:sp>
-        <p:nvSpPr>
-          <p:cNvPr id="5" name="Arrow: Down 7">
-            <a:extLst>
-              <a:ext uri="{FF2B5EF4-FFF2-40B4-BE49-F238E27FC236}">
-                <a16:creationId xmlns:a16="http://schemas.microsoft.com/office/drawing/2014/main" id="{16EF309E-F924-F745-AD59-25876BA853A4}"/>
-              </a:ext>
-            </a:extLst>
-          </p:cNvPr>
-          <p:cNvSpPr/>
-          <p:nvPr/>
-        </p:nvSpPr>
-        <p:spPr>
-          <a:xfrm rot="16200000">
-            <a:off x="789103" y="4944312"/>
-            <a:ext cx="469783" cy="620786"/>
-          </a:xfrm>
-          <a:prstGeom prst="downArrow">
-            <a:avLst/>
-          </a:prstGeom>
-        </p:spPr>
-        <p:style>
-          <a:lnRef idx="2">
-            <a:schemeClr val="accent1">
-              <a:shade val="50000"/>
-            </a:schemeClr>
-          </a:lnRef>
-          <a:fillRef idx="1">
-            <a:schemeClr val="accent1"/>
-          </a:fillRef>
-          <a:effectRef idx="0">
-            <a:schemeClr val="accent1"/>
-          </a:effectRef>
-          <a:fontRef idx="minor">
-            <a:schemeClr val="lt1"/>
-          </a:fontRef>
-        </p:style>
-        <p:txBody>
-          <a:bodyPr rtlCol="0" anchor="ctr"/>
-          <a:lstStyle/>
-          <a:p>
-            <a:pPr marL="0" marR="0" lvl="0" indent="0" algn="ctr" defTabSz="914400" rtl="0" eaLnBrk="1" fontAlgn="auto" latinLnBrk="0" hangingPunct="1">
-              <a:lnSpc>
-                <a:spcPct val="100000"/>
-              </a:lnSpc>
-              <a:spcBef>
-                <a:spcPts val="0"/>
-              </a:spcBef>
-              <a:spcAft>
-                <a:spcPts val="0"/>
-              </a:spcAft>
-              <a:buClrTx/>
-              <a:buSzTx/>
-              <a:buFontTx/>
-              <a:buNone/>
-              <a:tabLst/>
-              <a:defRPr/>
-            </a:pPr>
-            <a:endParaRPr kumimoji="0" lang="en-GB" sz="1800" b="0" i="0" u="none" strike="noStrike" kern="1200" cap="none" spc="0" normalizeH="0" baseline="0" noProof="0" dirty="0">
-              <a:ln>
-                <a:noFill/>
-              </a:ln>
-              <a:solidFill>
-                <a:prstClr val="white"/>
-              </a:solidFill>
-              <a:effectLst/>
-              <a:uLnTx/>
-              <a:uFillTx/>
-              <a:latin typeface="Calibri" panose="020F0502020204030204"/>
-              <a:ea typeface="+mn-ea"/>
-              <a:cs typeface="+mn-cs"/>
-            </a:endParaRPr>
-          </a:p>
-        </p:txBody>
-      </p:sp>
     </p:spTree>
     <p:extLst>
       <p:ext uri="{BB962C8B-B14F-4D97-AF65-F5344CB8AC3E}">
@@ -9018,7 +8928,7 @@
           <p:cNvPr id="2" name="Title 1">
             <a:extLst>
               <a:ext uri="{FF2B5EF4-FFF2-40B4-BE49-F238E27FC236}">
-                <a16:creationId xmlns:a16="http://schemas.microsoft.com/office/drawing/2014/main" id="{DCE85B1F-4F7D-4B0E-B52B-0D935F9C12EE}"/>
+                <a16:creationId xmlns:a16="http://schemas.microsoft.com/office/drawing/2014/main" id="{EE13BEF6-9EA9-444C-B76B-68F950916C0E}"/>
               </a:ext>
             </a:extLst>
           </p:cNvPr>
@@ -9036,17 +8946,22 @@
           <a:p>
             <a:r>
               <a:rPr lang="en-GB" dirty="0"/>
-              <a:t>Reusable</a:t>
-            </a:r>
+              <a:t>Intellectual property</a:t>
+            </a:r>
+            <a:r>
+              <a:rPr lang="pl-PL" dirty="0"/>
+              <a:t> protection</a:t>
+            </a:r>
+            <a:endParaRPr lang="en-GB" dirty="0"/>
           </a:p>
         </p:txBody>
       </p:sp>
       <p:sp>
         <p:nvSpPr>
-          <p:cNvPr id="6" name="Content Placeholder 5">
+          <p:cNvPr id="3" name="Content Placeholder 2">
             <a:extLst>
               <a:ext uri="{FF2B5EF4-FFF2-40B4-BE49-F238E27FC236}">
-                <a16:creationId xmlns:a16="http://schemas.microsoft.com/office/drawing/2014/main" id="{EF786E17-0337-4633-BDF5-676F4C563757}"/>
+                <a16:creationId xmlns:a16="http://schemas.microsoft.com/office/drawing/2014/main" id="{62ADBD34-E840-44BA-A351-DD2796B9CD3A}"/>
               </a:ext>
             </a:extLst>
           </p:cNvPr>
@@ -9067,6 +8982,104 @@
             <a:pPr marL="0" indent="0">
               <a:buNone/>
             </a:pPr>
+            <a:endParaRPr lang="en-GB" sz="2400" dirty="0"/>
+          </a:p>
+          <a:p>
+            <a:pPr marL="0" indent="0">
+              <a:buNone/>
+            </a:pPr>
+            <a:r>
+              <a:rPr lang="en-GB" sz="2400" dirty="0" smtClean="0"/>
+              <a:t>Exercise</a:t>
+            </a:r>
+            <a:endParaRPr lang="en-GB" sz="2400" dirty="0"/>
+          </a:p>
+        </p:txBody>
+      </p:sp>
+    </p:spTree>
+    <p:extLst>
+      <p:ext uri="{BB962C8B-B14F-4D97-AF65-F5344CB8AC3E}">
+        <p14:creationId xmlns:p14="http://schemas.microsoft.com/office/powerpoint/2010/main" val="3235674283"/>
+      </p:ext>
+    </p:extLst>
+  </p:cSld>
+  <p:clrMapOvr>
+    <a:masterClrMapping/>
+  </p:clrMapOvr>
+</p:sld>
+</file>
+
+<file path=ppt/slides/slide11.xml><?xml version="1.0" encoding="utf-8"?>
+<p:sld xmlns:a="http://schemas.openxmlformats.org/drawingml/2006/main" xmlns:r="http://schemas.openxmlformats.org/officeDocument/2006/relationships" xmlns:p="http://schemas.openxmlformats.org/presentationml/2006/main">
+  <p:cSld>
+    <p:spTree>
+      <p:nvGrpSpPr>
+        <p:cNvPr id="1" name=""/>
+        <p:cNvGrpSpPr/>
+        <p:nvPr/>
+      </p:nvGrpSpPr>
+      <p:grpSpPr>
+        <a:xfrm>
+          <a:off x="0" y="0"/>
+          <a:ext cx="0" cy="0"/>
+          <a:chOff x="0" y="0"/>
+          <a:chExt cx="0" cy="0"/>
+        </a:xfrm>
+      </p:grpSpPr>
+      <p:sp>
+        <p:nvSpPr>
+          <p:cNvPr id="2" name="Title 1">
+            <a:extLst>
+              <a:ext uri="{FF2B5EF4-FFF2-40B4-BE49-F238E27FC236}">
+                <a16:creationId xmlns:a16="http://schemas.microsoft.com/office/drawing/2014/main" id="{DCE85B1F-4F7D-4B0E-B52B-0D935F9C12EE}"/>
+              </a:ext>
+            </a:extLst>
+          </p:cNvPr>
+          <p:cNvSpPr>
+            <a:spLocks noGrp="1"/>
+          </p:cNvSpPr>
+          <p:nvPr>
+            <p:ph type="title"/>
+          </p:nvPr>
+        </p:nvSpPr>
+        <p:spPr/>
+        <p:txBody>
+          <a:bodyPr/>
+          <a:lstStyle/>
+          <a:p>
+            <a:r>
+              <a:rPr lang="en-GB" dirty="0"/>
+              <a:t>Reusable</a:t>
+            </a:r>
+          </a:p>
+        </p:txBody>
+      </p:sp>
+      <p:sp>
+        <p:nvSpPr>
+          <p:cNvPr id="6" name="Content Placeholder 5">
+            <a:extLst>
+              <a:ext uri="{FF2B5EF4-FFF2-40B4-BE49-F238E27FC236}">
+                <a16:creationId xmlns:a16="http://schemas.microsoft.com/office/drawing/2014/main" id="{EF786E17-0337-4633-BDF5-676F4C563757}"/>
+              </a:ext>
+            </a:extLst>
+          </p:cNvPr>
+          <p:cNvSpPr>
+            <a:spLocks noGrp="1"/>
+          </p:cNvSpPr>
+          <p:nvPr>
+            <p:ph idx="1"/>
+          </p:nvPr>
+        </p:nvSpPr>
+        <p:spPr/>
+        <p:txBody>
+          <a:bodyPr>
+            <a:normAutofit/>
+          </a:bodyPr>
+          <a:lstStyle/>
+          <a:p>
+            <a:pPr marL="0" indent="0">
+              <a:buNone/>
+            </a:pPr>
             <a:r>
               <a:rPr lang="en-GB" dirty="0"/>
               <a:t>Attach license files. Licenses explicitly declare conditions</a:t>
@@ -9177,7 +9190,7 @@
                 <a14:useLocalDpi xmlns:a14="http://schemas.microsoft.com/office/drawing/2010/main" val="0"/>
               </a:ext>
               <a:ext uri="{96DAC541-7B7A-43D3-8B79-37D633B846F1}">
-                <asvg:svgBlip xmlns:asvg="http://schemas.microsoft.com/office/drawing/2016/SVG/main" r:embed="rId7"/>
+                <asvg:svgBlip xmlns:asvg="http://schemas.microsoft.com/office/drawing/2016/SVG/main" xmlns="" r:embed="rId7"/>
               </a:ext>
             </a:extLst>
           </a:blip>
@@ -9351,7 +9364,7 @@
                 <a16:creationId xmlns:a16="http://schemas.microsoft.com/office/drawing/2014/main" id="{6C4028FD-8BAA-4A19-BFDE-594D991B7552}"/>
               </a:ext>
               <a:ext uri="{C183D7F6-B498-43B3-948B-1728B52AA6E4}">
-                <adec:decorative xmlns:adec="http://schemas.microsoft.com/office/drawing/2017/decorative" val="1"/>
+                <adec:decorative xmlns:adec="http://schemas.microsoft.com/office/drawing/2017/decorative" xmlns="" val="1"/>
               </a:ext>
             </a:extLst>
           </p:cNvPr>
@@ -9469,8 +9482,12 @@
               <a:t> </a:t>
             </a:r>
             <a:r>
-              <a:rPr lang="pl-PL" dirty="0" err="1"/>
-              <a:t>protection</a:t>
+              <a:rPr lang="pl-PL" dirty="0" smtClean="0"/>
+              <a:t>protectio</a:t>
+            </a:r>
+            <a:r>
+              <a:rPr lang="en-GB" dirty="0" smtClean="0"/>
+              <a:t>n</a:t>
             </a:r>
             <a:endParaRPr lang="en-GB" dirty="0"/>
           </a:p>
@@ -9550,7 +9567,7 @@
                 <a16:creationId xmlns:a16="http://schemas.microsoft.com/office/drawing/2014/main" id="{6C4028FD-8BAA-4A19-BFDE-594D991B7552}"/>
               </a:ext>
               <a:ext uri="{C183D7F6-B498-43B3-948B-1728B52AA6E4}">
-                <adec:decorative xmlns:adec="http://schemas.microsoft.com/office/drawing/2017/decorative" val="1"/>
+                <adec:decorative xmlns:adec="http://schemas.microsoft.com/office/drawing/2017/decorative" xmlns="" val="1"/>
               </a:ext>
             </a:extLst>
           </p:cNvPr>
@@ -9668,8 +9685,12 @@
               <a:t> </a:t>
             </a:r>
             <a:r>
-              <a:rPr lang="pl-PL" dirty="0" err="1"/>
-              <a:t>protection</a:t>
+              <a:rPr lang="pl-PL" dirty="0" smtClean="0"/>
+              <a:t>protectio</a:t>
+            </a:r>
+            <a:r>
+              <a:rPr lang="en-GB" dirty="0" smtClean="0"/>
+              <a:t>n</a:t>
             </a:r>
             <a:endParaRPr lang="en-GB" dirty="0"/>
           </a:p>
@@ -9844,7 +9865,7 @@
                 <a16:creationId xmlns:a16="http://schemas.microsoft.com/office/drawing/2014/main" id="{91F32EBA-ED97-466E-8CFA-8382584155D0}"/>
               </a:ext>
               <a:ext uri="{C183D7F6-B498-43B3-948B-1728B52AA6E4}">
-                <adec:decorative xmlns:adec="http://schemas.microsoft.com/office/drawing/2017/decorative" val="1"/>
+                <adec:decorative xmlns:adec="http://schemas.microsoft.com/office/drawing/2017/decorative" xmlns="" val="1"/>
               </a:ext>
             </a:extLst>
           </p:cNvPr>
@@ -10009,7 +10030,7 @@
                 <a16:creationId xmlns:a16="http://schemas.microsoft.com/office/drawing/2014/main" id="{62A38935-BB53-4DF7-A56E-48DD25B685D7}"/>
               </a:ext>
               <a:ext uri="{C183D7F6-B498-43B3-948B-1728B52AA6E4}">
-                <adec:decorative xmlns:adec="http://schemas.microsoft.com/office/drawing/2017/decorative" val="1"/>
+                <adec:decorative xmlns:adec="http://schemas.microsoft.com/office/drawing/2017/decorative" xmlns="" val="1"/>
               </a:ext>
             </a:extLst>
           </p:cNvPr>
@@ -10825,7 +10846,7 @@
                 <a14:useLocalDpi xmlns:a14="http://schemas.microsoft.com/office/drawing/2010/main" val="0"/>
               </a:ext>
               <a:ext uri="{96DAC541-7B7A-43D3-8B79-37D633B846F1}">
-                <asvg:svgBlip xmlns:asvg="http://schemas.microsoft.com/office/drawing/2016/SVG/main" r:embed="rId3"/>
+                <asvg:svgBlip xmlns:asvg="http://schemas.microsoft.com/office/drawing/2016/SVG/main" xmlns="" r:embed="rId3"/>
               </a:ext>
             </a:extLst>
           </a:blip>
@@ -11024,20 +11045,24 @@
               <a:buNone/>
             </a:pPr>
             <a:r>
-              <a:rPr lang="pl-PL" sz="2400" dirty="0" err="1"/>
-              <a:t>Adding</a:t>
-            </a:r>
-            <a:r>
-              <a:rPr lang="pl-PL" sz="2400" dirty="0"/>
-              <a:t> </a:t>
-            </a:r>
-            <a:r>
-              <a:rPr lang="pl-PL" sz="2400" dirty="0" err="1"/>
-              <a:t>an</a:t>
+              <a:rPr lang="pl-PL" sz="2400" dirty="0" smtClean="0"/>
+              <a:t>Addin</a:t>
+            </a:r>
+            <a:r>
+              <a:rPr lang="en-GB" sz="2400" dirty="0" smtClean="0"/>
+              <a:t>g</a:t>
+            </a:r>
+            <a:r>
+              <a:rPr lang="pl-PL" sz="2400" dirty="0" smtClean="0"/>
+              <a:t> a</a:t>
+            </a:r>
+            <a:r>
+              <a:rPr lang="en-GB" sz="2400" dirty="0" smtClean="0"/>
+              <a:t>n </a:t>
             </a:r>
             <a:r>
               <a:rPr lang="en-GB" sz="2400" dirty="0"/>
-              <a:t> explicit </a:t>
+              <a:t>explicit </a:t>
             </a:r>
             <a:r>
               <a:rPr lang="en-GB" sz="2400" b="1" dirty="0"/>
